--- a/ppt 16-9/0360.为什么拒绝.pptx
+++ b/ppt 16-9/0360.为什么拒绝.pptx
@@ -5,7 +5,7 @@
     <p:sldMasterId id="2147483648" r:id="rId1"/>
   </p:sldMasterIdLst>
   <p:sldIdLst>
-    <p:sldId id="3267" r:id="rId2"/>
+    <p:sldId id="3269" r:id="rId2"/>
   </p:sldIdLst>
   <p:sldSz cx="12192000" cy="6858000"/>
   <p:notesSz cx="6858000" cy="9144000"/>
@@ -129,7 +129,7 @@
           <p:cNvPr id="2" name="标题 1">
             <a:extLst>
               <a:ext uri="{FF2B5EF4-FFF2-40B4-BE49-F238E27FC236}">
-                <a16:creationId xmlns:a16="http://schemas.microsoft.com/office/drawing/2014/main" id="{62F343D3-43B5-B13A-C87A-17AE3338CEE7}"/>
+                <a16:creationId xmlns:a16="http://schemas.microsoft.com/office/drawing/2014/main" id="{25F96152-7681-007F-C737-896C1058CE00}"/>
               </a:ext>
             </a:extLst>
           </p:cNvPr>
@@ -166,7 +166,7 @@
           <p:cNvPr id="3" name="副标题 2">
             <a:extLst>
               <a:ext uri="{FF2B5EF4-FFF2-40B4-BE49-F238E27FC236}">
-                <a16:creationId xmlns:a16="http://schemas.microsoft.com/office/drawing/2014/main" id="{AD84F367-483E-B037-951D-D87CF9789B03}"/>
+                <a16:creationId xmlns:a16="http://schemas.microsoft.com/office/drawing/2014/main" id="{DBDF66E0-257B-3EB5-4C17-9C58BA2920D4}"/>
               </a:ext>
             </a:extLst>
           </p:cNvPr>
@@ -236,7 +236,7 @@
           <p:cNvPr id="4" name="日期占位符 3">
             <a:extLst>
               <a:ext uri="{FF2B5EF4-FFF2-40B4-BE49-F238E27FC236}">
-                <a16:creationId xmlns:a16="http://schemas.microsoft.com/office/drawing/2014/main" id="{6A646B3B-BC1E-8955-0668-17110AE0E88D}"/>
+                <a16:creationId xmlns:a16="http://schemas.microsoft.com/office/drawing/2014/main" id="{6DCFA90C-2DE1-BDF5-54F6-F1E0F56A7B1F}"/>
               </a:ext>
             </a:extLst>
           </p:cNvPr>
@@ -252,7 +252,7 @@
           <a:bodyPr/>
           <a:lstStyle/>
           <a:p>
-            <a:fld id="{C0ABD68F-CDC7-457B-97A8-D57A38EDA9F0}" type="datetimeFigureOut">
+            <a:fld id="{7AE530CB-1360-44B7-96E1-585357C945F2}" type="datetimeFigureOut">
               <a:rPr lang="zh-CN" altLang="en-US" smtClean="0"/>
               <a:t>2024/3/10</a:t>
             </a:fld>
@@ -265,7 +265,7 @@
           <p:cNvPr id="5" name="页脚占位符 4">
             <a:extLst>
               <a:ext uri="{FF2B5EF4-FFF2-40B4-BE49-F238E27FC236}">
-                <a16:creationId xmlns:a16="http://schemas.microsoft.com/office/drawing/2014/main" id="{8065D669-FC76-66E0-9CB3-34D5290F1283}"/>
+                <a16:creationId xmlns:a16="http://schemas.microsoft.com/office/drawing/2014/main" id="{64F52DEF-8823-6C85-CD98-D055291F1FEC}"/>
               </a:ext>
             </a:extLst>
           </p:cNvPr>
@@ -290,7 +290,7 @@
           <p:cNvPr id="6" name="灯片编号占位符 5">
             <a:extLst>
               <a:ext uri="{FF2B5EF4-FFF2-40B4-BE49-F238E27FC236}">
-                <a16:creationId xmlns:a16="http://schemas.microsoft.com/office/drawing/2014/main" id="{D1ABF983-AC11-F95F-299C-63D37CF4C67F}"/>
+                <a16:creationId xmlns:a16="http://schemas.microsoft.com/office/drawing/2014/main" id="{642B315A-4D5D-5393-C39C-5CE47B3BA151}"/>
               </a:ext>
             </a:extLst>
           </p:cNvPr>
@@ -306,7 +306,7 @@
           <a:bodyPr/>
           <a:lstStyle/>
           <a:p>
-            <a:fld id="{369E0DD2-9344-4840-90DE-BEE619104407}" type="slidenum">
+            <a:fld id="{6BA792E2-CF03-4D28-8E42-80011F83F46C}" type="slidenum">
               <a:rPr lang="zh-CN" altLang="en-US" smtClean="0"/>
               <a:t>‹#›</a:t>
             </a:fld>
@@ -317,7 +317,7 @@
     </p:spTree>
     <p:extLst>
       <p:ext uri="{BB962C8B-B14F-4D97-AF65-F5344CB8AC3E}">
-        <p14:creationId xmlns:p14="http://schemas.microsoft.com/office/powerpoint/2010/main" val="1392348484"/>
+        <p14:creationId xmlns:p14="http://schemas.microsoft.com/office/powerpoint/2010/main" val="353946026"/>
       </p:ext>
     </p:extLst>
   </p:cSld>
@@ -349,7 +349,7 @@
           <p:cNvPr id="2" name="标题 1">
             <a:extLst>
               <a:ext uri="{FF2B5EF4-FFF2-40B4-BE49-F238E27FC236}">
-                <a16:creationId xmlns:a16="http://schemas.microsoft.com/office/drawing/2014/main" id="{F9E77162-DAFA-2B4E-FB3F-EB306D4B9822}"/>
+                <a16:creationId xmlns:a16="http://schemas.microsoft.com/office/drawing/2014/main" id="{7DE33818-16D0-3C96-DA80-8D8A9BF63E41}"/>
               </a:ext>
             </a:extLst>
           </p:cNvPr>
@@ -377,7 +377,7 @@
           <p:cNvPr id="3" name="竖排文字占位符 2">
             <a:extLst>
               <a:ext uri="{FF2B5EF4-FFF2-40B4-BE49-F238E27FC236}">
-                <a16:creationId xmlns:a16="http://schemas.microsoft.com/office/drawing/2014/main" id="{F2BF06D4-8FAC-012B-FC21-D266EFD0099A}"/>
+                <a16:creationId xmlns:a16="http://schemas.microsoft.com/office/drawing/2014/main" id="{B0FA3F62-AA77-52FD-9EED-011FBB2E8BEA}"/>
               </a:ext>
             </a:extLst>
           </p:cNvPr>
@@ -434,7 +434,7 @@
           <p:cNvPr id="4" name="日期占位符 3">
             <a:extLst>
               <a:ext uri="{FF2B5EF4-FFF2-40B4-BE49-F238E27FC236}">
-                <a16:creationId xmlns:a16="http://schemas.microsoft.com/office/drawing/2014/main" id="{C48E32DA-2B60-B4F5-6D9B-D00D6BAB5F49}"/>
+                <a16:creationId xmlns:a16="http://schemas.microsoft.com/office/drawing/2014/main" id="{40A11EAC-8528-746A-8C7E-BC9948CD21C7}"/>
               </a:ext>
             </a:extLst>
           </p:cNvPr>
@@ -450,7 +450,7 @@
           <a:bodyPr/>
           <a:lstStyle/>
           <a:p>
-            <a:fld id="{C0ABD68F-CDC7-457B-97A8-D57A38EDA9F0}" type="datetimeFigureOut">
+            <a:fld id="{7AE530CB-1360-44B7-96E1-585357C945F2}" type="datetimeFigureOut">
               <a:rPr lang="zh-CN" altLang="en-US" smtClean="0"/>
               <a:t>2024/3/10</a:t>
             </a:fld>
@@ -463,7 +463,7 @@
           <p:cNvPr id="5" name="页脚占位符 4">
             <a:extLst>
               <a:ext uri="{FF2B5EF4-FFF2-40B4-BE49-F238E27FC236}">
-                <a16:creationId xmlns:a16="http://schemas.microsoft.com/office/drawing/2014/main" id="{F18870F1-36AC-8DEA-F655-DFC5D6B0A4F5}"/>
+                <a16:creationId xmlns:a16="http://schemas.microsoft.com/office/drawing/2014/main" id="{B8479F21-3AEB-2F15-A05F-2FF3184A47D7}"/>
               </a:ext>
             </a:extLst>
           </p:cNvPr>
@@ -488,7 +488,7 @@
           <p:cNvPr id="6" name="灯片编号占位符 5">
             <a:extLst>
               <a:ext uri="{FF2B5EF4-FFF2-40B4-BE49-F238E27FC236}">
-                <a16:creationId xmlns:a16="http://schemas.microsoft.com/office/drawing/2014/main" id="{24E19210-CD68-5E10-104F-930BD8FBBC9A}"/>
+                <a16:creationId xmlns:a16="http://schemas.microsoft.com/office/drawing/2014/main" id="{58857C94-20D5-9723-FA8C-4EB4145981DF}"/>
               </a:ext>
             </a:extLst>
           </p:cNvPr>
@@ -504,7 +504,7 @@
           <a:bodyPr/>
           <a:lstStyle/>
           <a:p>
-            <a:fld id="{369E0DD2-9344-4840-90DE-BEE619104407}" type="slidenum">
+            <a:fld id="{6BA792E2-CF03-4D28-8E42-80011F83F46C}" type="slidenum">
               <a:rPr lang="zh-CN" altLang="en-US" smtClean="0"/>
               <a:t>‹#›</a:t>
             </a:fld>
@@ -515,7 +515,7 @@
     </p:spTree>
     <p:extLst>
       <p:ext uri="{BB962C8B-B14F-4D97-AF65-F5344CB8AC3E}">
-        <p14:creationId xmlns:p14="http://schemas.microsoft.com/office/powerpoint/2010/main" val="573652902"/>
+        <p14:creationId xmlns:p14="http://schemas.microsoft.com/office/powerpoint/2010/main" val="2732401008"/>
       </p:ext>
     </p:extLst>
   </p:cSld>
@@ -547,7 +547,7 @@
           <p:cNvPr id="2" name="竖排标题 1">
             <a:extLst>
               <a:ext uri="{FF2B5EF4-FFF2-40B4-BE49-F238E27FC236}">
-                <a16:creationId xmlns:a16="http://schemas.microsoft.com/office/drawing/2014/main" id="{8FAC5E65-EE8A-F814-628E-8940493C7F16}"/>
+                <a16:creationId xmlns:a16="http://schemas.microsoft.com/office/drawing/2014/main" id="{7141B9C4-1BC2-A576-61D6-75AE2CCD8BFB}"/>
               </a:ext>
             </a:extLst>
           </p:cNvPr>
@@ -580,7 +580,7 @@
           <p:cNvPr id="3" name="竖排文字占位符 2">
             <a:extLst>
               <a:ext uri="{FF2B5EF4-FFF2-40B4-BE49-F238E27FC236}">
-                <a16:creationId xmlns:a16="http://schemas.microsoft.com/office/drawing/2014/main" id="{B3C074FA-AEF7-B775-5847-C3AB2BAB6B63}"/>
+                <a16:creationId xmlns:a16="http://schemas.microsoft.com/office/drawing/2014/main" id="{A5756462-1C86-9FDE-C3F4-CBBF68984220}"/>
               </a:ext>
             </a:extLst>
           </p:cNvPr>
@@ -642,7 +642,7 @@
           <p:cNvPr id="4" name="日期占位符 3">
             <a:extLst>
               <a:ext uri="{FF2B5EF4-FFF2-40B4-BE49-F238E27FC236}">
-                <a16:creationId xmlns:a16="http://schemas.microsoft.com/office/drawing/2014/main" id="{B04B0379-B337-8D23-2D61-48688265C224}"/>
+                <a16:creationId xmlns:a16="http://schemas.microsoft.com/office/drawing/2014/main" id="{F1D68971-E1AD-242F-213B-633249E99084}"/>
               </a:ext>
             </a:extLst>
           </p:cNvPr>
@@ -658,7 +658,7 @@
           <a:bodyPr/>
           <a:lstStyle/>
           <a:p>
-            <a:fld id="{C0ABD68F-CDC7-457B-97A8-D57A38EDA9F0}" type="datetimeFigureOut">
+            <a:fld id="{7AE530CB-1360-44B7-96E1-585357C945F2}" type="datetimeFigureOut">
               <a:rPr lang="zh-CN" altLang="en-US" smtClean="0"/>
               <a:t>2024/3/10</a:t>
             </a:fld>
@@ -671,7 +671,7 @@
           <p:cNvPr id="5" name="页脚占位符 4">
             <a:extLst>
               <a:ext uri="{FF2B5EF4-FFF2-40B4-BE49-F238E27FC236}">
-                <a16:creationId xmlns:a16="http://schemas.microsoft.com/office/drawing/2014/main" id="{498EBF16-80AA-DB7C-198A-D21E6A477258}"/>
+                <a16:creationId xmlns:a16="http://schemas.microsoft.com/office/drawing/2014/main" id="{05F3B22C-8CFA-873C-21B9-AB2555AD5015}"/>
               </a:ext>
             </a:extLst>
           </p:cNvPr>
@@ -696,7 +696,7 @@
           <p:cNvPr id="6" name="灯片编号占位符 5">
             <a:extLst>
               <a:ext uri="{FF2B5EF4-FFF2-40B4-BE49-F238E27FC236}">
-                <a16:creationId xmlns:a16="http://schemas.microsoft.com/office/drawing/2014/main" id="{ACA142B3-5CE6-0742-C5EC-7BD8C443C3A5}"/>
+                <a16:creationId xmlns:a16="http://schemas.microsoft.com/office/drawing/2014/main" id="{62845C6C-C20F-305A-1D1A-78A10D825890}"/>
               </a:ext>
             </a:extLst>
           </p:cNvPr>
@@ -712,7 +712,7 @@
           <a:bodyPr/>
           <a:lstStyle/>
           <a:p>
-            <a:fld id="{369E0DD2-9344-4840-90DE-BEE619104407}" type="slidenum">
+            <a:fld id="{6BA792E2-CF03-4D28-8E42-80011F83F46C}" type="slidenum">
               <a:rPr lang="zh-CN" altLang="en-US" smtClean="0"/>
               <a:t>‹#›</a:t>
             </a:fld>
@@ -723,7 +723,7 @@
     </p:spTree>
     <p:extLst>
       <p:ext uri="{BB962C8B-B14F-4D97-AF65-F5344CB8AC3E}">
-        <p14:creationId xmlns:p14="http://schemas.microsoft.com/office/powerpoint/2010/main" val="3369860605"/>
+        <p14:creationId xmlns:p14="http://schemas.microsoft.com/office/powerpoint/2010/main" val="2572190291"/>
       </p:ext>
     </p:extLst>
   </p:cSld>
@@ -755,7 +755,7 @@
           <p:cNvPr id="2" name="标题 1">
             <a:extLst>
               <a:ext uri="{FF2B5EF4-FFF2-40B4-BE49-F238E27FC236}">
-                <a16:creationId xmlns:a16="http://schemas.microsoft.com/office/drawing/2014/main" id="{7F8C6988-4BCD-D3E3-367E-0A71EAEEA042}"/>
+                <a16:creationId xmlns:a16="http://schemas.microsoft.com/office/drawing/2014/main" id="{ECEA6CFF-9D3D-7217-687A-8075C08A7430}"/>
               </a:ext>
             </a:extLst>
           </p:cNvPr>
@@ -783,7 +783,7 @@
           <p:cNvPr id="3" name="内容占位符 2">
             <a:extLst>
               <a:ext uri="{FF2B5EF4-FFF2-40B4-BE49-F238E27FC236}">
-                <a16:creationId xmlns:a16="http://schemas.microsoft.com/office/drawing/2014/main" id="{0BA63B57-10E0-BF17-B0A4-3422F718E7AC}"/>
+                <a16:creationId xmlns:a16="http://schemas.microsoft.com/office/drawing/2014/main" id="{D9BA9563-9A53-DADA-039C-2C476F0F23E6}"/>
               </a:ext>
             </a:extLst>
           </p:cNvPr>
@@ -840,7 +840,7 @@
           <p:cNvPr id="4" name="日期占位符 3">
             <a:extLst>
               <a:ext uri="{FF2B5EF4-FFF2-40B4-BE49-F238E27FC236}">
-                <a16:creationId xmlns:a16="http://schemas.microsoft.com/office/drawing/2014/main" id="{CAC7D1AE-BEA1-D350-79E2-C2FD72CFCFB8}"/>
+                <a16:creationId xmlns:a16="http://schemas.microsoft.com/office/drawing/2014/main" id="{5AAAB206-B0F1-945D-3FCB-3518A1792EDC}"/>
               </a:ext>
             </a:extLst>
           </p:cNvPr>
@@ -856,7 +856,7 @@
           <a:bodyPr/>
           <a:lstStyle/>
           <a:p>
-            <a:fld id="{C0ABD68F-CDC7-457B-97A8-D57A38EDA9F0}" type="datetimeFigureOut">
+            <a:fld id="{7AE530CB-1360-44B7-96E1-585357C945F2}" type="datetimeFigureOut">
               <a:rPr lang="zh-CN" altLang="en-US" smtClean="0"/>
               <a:t>2024/3/10</a:t>
             </a:fld>
@@ -869,7 +869,7 @@
           <p:cNvPr id="5" name="页脚占位符 4">
             <a:extLst>
               <a:ext uri="{FF2B5EF4-FFF2-40B4-BE49-F238E27FC236}">
-                <a16:creationId xmlns:a16="http://schemas.microsoft.com/office/drawing/2014/main" id="{BFBDDBC7-477F-DE85-CB04-9E138BA7ECBE}"/>
+                <a16:creationId xmlns:a16="http://schemas.microsoft.com/office/drawing/2014/main" id="{FA269274-6545-1267-9C0E-1557D800CE96}"/>
               </a:ext>
             </a:extLst>
           </p:cNvPr>
@@ -894,7 +894,7 @@
           <p:cNvPr id="6" name="灯片编号占位符 5">
             <a:extLst>
               <a:ext uri="{FF2B5EF4-FFF2-40B4-BE49-F238E27FC236}">
-                <a16:creationId xmlns:a16="http://schemas.microsoft.com/office/drawing/2014/main" id="{ECD94922-37E3-7E96-3547-EAC9DDD870BA}"/>
+                <a16:creationId xmlns:a16="http://schemas.microsoft.com/office/drawing/2014/main" id="{C05C0B5E-166E-B871-8013-521490FAA816}"/>
               </a:ext>
             </a:extLst>
           </p:cNvPr>
@@ -910,7 +910,7 @@
           <a:bodyPr/>
           <a:lstStyle/>
           <a:p>
-            <a:fld id="{369E0DD2-9344-4840-90DE-BEE619104407}" type="slidenum">
+            <a:fld id="{6BA792E2-CF03-4D28-8E42-80011F83F46C}" type="slidenum">
               <a:rPr lang="zh-CN" altLang="en-US" smtClean="0"/>
               <a:t>‹#›</a:t>
             </a:fld>
@@ -921,7 +921,7 @@
     </p:spTree>
     <p:extLst>
       <p:ext uri="{BB962C8B-B14F-4D97-AF65-F5344CB8AC3E}">
-        <p14:creationId xmlns:p14="http://schemas.microsoft.com/office/powerpoint/2010/main" val="3664700768"/>
+        <p14:creationId xmlns:p14="http://schemas.microsoft.com/office/powerpoint/2010/main" val="1873352823"/>
       </p:ext>
     </p:extLst>
   </p:cSld>
@@ -953,7 +953,7 @@
           <p:cNvPr id="2" name="标题 1">
             <a:extLst>
               <a:ext uri="{FF2B5EF4-FFF2-40B4-BE49-F238E27FC236}">
-                <a16:creationId xmlns:a16="http://schemas.microsoft.com/office/drawing/2014/main" id="{04F9C401-A5B5-2DEC-061C-46988D71E4C5}"/>
+                <a16:creationId xmlns:a16="http://schemas.microsoft.com/office/drawing/2014/main" id="{9D344943-85ED-C699-594A-A45401EB13DA}"/>
               </a:ext>
             </a:extLst>
           </p:cNvPr>
@@ -990,7 +990,7 @@
           <p:cNvPr id="3" name="文本占位符 2">
             <a:extLst>
               <a:ext uri="{FF2B5EF4-FFF2-40B4-BE49-F238E27FC236}">
-                <a16:creationId xmlns:a16="http://schemas.microsoft.com/office/drawing/2014/main" id="{DF897C58-23B0-D810-E7F3-7E8B92DC43FE}"/>
+                <a16:creationId xmlns:a16="http://schemas.microsoft.com/office/drawing/2014/main" id="{7657F347-CA15-3FE0-AEF8-F0F26F8A33CB}"/>
               </a:ext>
             </a:extLst>
           </p:cNvPr>
@@ -1115,7 +1115,7 @@
           <p:cNvPr id="4" name="日期占位符 3">
             <a:extLst>
               <a:ext uri="{FF2B5EF4-FFF2-40B4-BE49-F238E27FC236}">
-                <a16:creationId xmlns:a16="http://schemas.microsoft.com/office/drawing/2014/main" id="{344C4399-A2A3-0E68-5257-73483072DDCD}"/>
+                <a16:creationId xmlns:a16="http://schemas.microsoft.com/office/drawing/2014/main" id="{6F55C204-7566-EA82-13F1-1AEAD0A243A8}"/>
               </a:ext>
             </a:extLst>
           </p:cNvPr>
@@ -1131,7 +1131,7 @@
           <a:bodyPr/>
           <a:lstStyle/>
           <a:p>
-            <a:fld id="{C0ABD68F-CDC7-457B-97A8-D57A38EDA9F0}" type="datetimeFigureOut">
+            <a:fld id="{7AE530CB-1360-44B7-96E1-585357C945F2}" type="datetimeFigureOut">
               <a:rPr lang="zh-CN" altLang="en-US" smtClean="0"/>
               <a:t>2024/3/10</a:t>
             </a:fld>
@@ -1144,7 +1144,7 @@
           <p:cNvPr id="5" name="页脚占位符 4">
             <a:extLst>
               <a:ext uri="{FF2B5EF4-FFF2-40B4-BE49-F238E27FC236}">
-                <a16:creationId xmlns:a16="http://schemas.microsoft.com/office/drawing/2014/main" id="{5043EE19-67D0-2320-6028-E2828C16A9BA}"/>
+                <a16:creationId xmlns:a16="http://schemas.microsoft.com/office/drawing/2014/main" id="{FC3C072B-3ECA-A7A2-2189-5076D24B42AF}"/>
               </a:ext>
             </a:extLst>
           </p:cNvPr>
@@ -1169,7 +1169,7 @@
           <p:cNvPr id="6" name="灯片编号占位符 5">
             <a:extLst>
               <a:ext uri="{FF2B5EF4-FFF2-40B4-BE49-F238E27FC236}">
-                <a16:creationId xmlns:a16="http://schemas.microsoft.com/office/drawing/2014/main" id="{7DC7FBB7-C26B-9E86-99A2-9D57E7D5A130}"/>
+                <a16:creationId xmlns:a16="http://schemas.microsoft.com/office/drawing/2014/main" id="{6490B5A8-B5FB-A2F0-0357-B3E200D8D42F}"/>
               </a:ext>
             </a:extLst>
           </p:cNvPr>
@@ -1185,7 +1185,7 @@
           <a:bodyPr/>
           <a:lstStyle/>
           <a:p>
-            <a:fld id="{369E0DD2-9344-4840-90DE-BEE619104407}" type="slidenum">
+            <a:fld id="{6BA792E2-CF03-4D28-8E42-80011F83F46C}" type="slidenum">
               <a:rPr lang="zh-CN" altLang="en-US" smtClean="0"/>
               <a:t>‹#›</a:t>
             </a:fld>
@@ -1196,7 +1196,7 @@
     </p:spTree>
     <p:extLst>
       <p:ext uri="{BB962C8B-B14F-4D97-AF65-F5344CB8AC3E}">
-        <p14:creationId xmlns:p14="http://schemas.microsoft.com/office/powerpoint/2010/main" val="982885166"/>
+        <p14:creationId xmlns:p14="http://schemas.microsoft.com/office/powerpoint/2010/main" val="2230879769"/>
       </p:ext>
     </p:extLst>
   </p:cSld>
@@ -1228,7 +1228,7 @@
           <p:cNvPr id="2" name="标题 1">
             <a:extLst>
               <a:ext uri="{FF2B5EF4-FFF2-40B4-BE49-F238E27FC236}">
-                <a16:creationId xmlns:a16="http://schemas.microsoft.com/office/drawing/2014/main" id="{99DFBABC-D516-3A94-D2A1-2D875834A4E2}"/>
+                <a16:creationId xmlns:a16="http://schemas.microsoft.com/office/drawing/2014/main" id="{26508ACE-9A02-98E2-DA82-8B78ACE91EA7}"/>
               </a:ext>
             </a:extLst>
           </p:cNvPr>
@@ -1256,7 +1256,7 @@
           <p:cNvPr id="3" name="内容占位符 2">
             <a:extLst>
               <a:ext uri="{FF2B5EF4-FFF2-40B4-BE49-F238E27FC236}">
-                <a16:creationId xmlns:a16="http://schemas.microsoft.com/office/drawing/2014/main" id="{683A867E-C27B-B57F-B179-BC61FF62DA26}"/>
+                <a16:creationId xmlns:a16="http://schemas.microsoft.com/office/drawing/2014/main" id="{34C478BA-7898-BF30-F2F6-51C1025E0FD3}"/>
               </a:ext>
             </a:extLst>
           </p:cNvPr>
@@ -1318,7 +1318,7 @@
           <p:cNvPr id="4" name="内容占位符 3">
             <a:extLst>
               <a:ext uri="{FF2B5EF4-FFF2-40B4-BE49-F238E27FC236}">
-                <a16:creationId xmlns:a16="http://schemas.microsoft.com/office/drawing/2014/main" id="{CDA74C4C-1FE2-7781-A2AE-51FD7FDFA793}"/>
+                <a16:creationId xmlns:a16="http://schemas.microsoft.com/office/drawing/2014/main" id="{D40CC4A2-3AEF-F6C3-D162-FF412E3A21CB}"/>
               </a:ext>
             </a:extLst>
           </p:cNvPr>
@@ -1380,7 +1380,7 @@
           <p:cNvPr id="5" name="日期占位符 4">
             <a:extLst>
               <a:ext uri="{FF2B5EF4-FFF2-40B4-BE49-F238E27FC236}">
-                <a16:creationId xmlns:a16="http://schemas.microsoft.com/office/drawing/2014/main" id="{8ACC17FC-C9CF-707E-4103-F57A00B3A31E}"/>
+                <a16:creationId xmlns:a16="http://schemas.microsoft.com/office/drawing/2014/main" id="{6CA9291B-7AF8-28B3-0996-3D32E61C0441}"/>
               </a:ext>
             </a:extLst>
           </p:cNvPr>
@@ -1396,7 +1396,7 @@
           <a:bodyPr/>
           <a:lstStyle/>
           <a:p>
-            <a:fld id="{C0ABD68F-CDC7-457B-97A8-D57A38EDA9F0}" type="datetimeFigureOut">
+            <a:fld id="{7AE530CB-1360-44B7-96E1-585357C945F2}" type="datetimeFigureOut">
               <a:rPr lang="zh-CN" altLang="en-US" smtClean="0"/>
               <a:t>2024/3/10</a:t>
             </a:fld>
@@ -1409,7 +1409,7 @@
           <p:cNvPr id="6" name="页脚占位符 5">
             <a:extLst>
               <a:ext uri="{FF2B5EF4-FFF2-40B4-BE49-F238E27FC236}">
-                <a16:creationId xmlns:a16="http://schemas.microsoft.com/office/drawing/2014/main" id="{D9144B86-5FAA-2FDE-2314-056355E904E2}"/>
+                <a16:creationId xmlns:a16="http://schemas.microsoft.com/office/drawing/2014/main" id="{ADDE4E78-229D-211C-6326-CF35CEBB9843}"/>
               </a:ext>
             </a:extLst>
           </p:cNvPr>
@@ -1434,7 +1434,7 @@
           <p:cNvPr id="7" name="灯片编号占位符 6">
             <a:extLst>
               <a:ext uri="{FF2B5EF4-FFF2-40B4-BE49-F238E27FC236}">
-                <a16:creationId xmlns:a16="http://schemas.microsoft.com/office/drawing/2014/main" id="{3BC0F320-A7FD-010A-A33A-F39CDA542F6B}"/>
+                <a16:creationId xmlns:a16="http://schemas.microsoft.com/office/drawing/2014/main" id="{1A12106E-EFAC-DD0C-638C-56045349A404}"/>
               </a:ext>
             </a:extLst>
           </p:cNvPr>
@@ -1450,7 +1450,7 @@
           <a:bodyPr/>
           <a:lstStyle/>
           <a:p>
-            <a:fld id="{369E0DD2-9344-4840-90DE-BEE619104407}" type="slidenum">
+            <a:fld id="{6BA792E2-CF03-4D28-8E42-80011F83F46C}" type="slidenum">
               <a:rPr lang="zh-CN" altLang="en-US" smtClean="0"/>
               <a:t>‹#›</a:t>
             </a:fld>
@@ -1461,7 +1461,7 @@
     </p:spTree>
     <p:extLst>
       <p:ext uri="{BB962C8B-B14F-4D97-AF65-F5344CB8AC3E}">
-        <p14:creationId xmlns:p14="http://schemas.microsoft.com/office/powerpoint/2010/main" val="4005866358"/>
+        <p14:creationId xmlns:p14="http://schemas.microsoft.com/office/powerpoint/2010/main" val="3829969164"/>
       </p:ext>
     </p:extLst>
   </p:cSld>
@@ -1493,7 +1493,7 @@
           <p:cNvPr id="2" name="标题 1">
             <a:extLst>
               <a:ext uri="{FF2B5EF4-FFF2-40B4-BE49-F238E27FC236}">
-                <a16:creationId xmlns:a16="http://schemas.microsoft.com/office/drawing/2014/main" id="{DB5F512C-C0F5-3466-1CBE-1DBA6D6CD5B9}"/>
+                <a16:creationId xmlns:a16="http://schemas.microsoft.com/office/drawing/2014/main" id="{5CA36912-1CCD-8B55-A239-8CA3352A2EA5}"/>
               </a:ext>
             </a:extLst>
           </p:cNvPr>
@@ -1526,7 +1526,7 @@
           <p:cNvPr id="3" name="文本占位符 2">
             <a:extLst>
               <a:ext uri="{FF2B5EF4-FFF2-40B4-BE49-F238E27FC236}">
-                <a16:creationId xmlns:a16="http://schemas.microsoft.com/office/drawing/2014/main" id="{830F3EE5-F874-2B56-8127-7168EEFC926F}"/>
+                <a16:creationId xmlns:a16="http://schemas.microsoft.com/office/drawing/2014/main" id="{82E54355-92CA-EFB7-B714-5DAA1F69E27F}"/>
               </a:ext>
             </a:extLst>
           </p:cNvPr>
@@ -1597,7 +1597,7 @@
           <p:cNvPr id="4" name="内容占位符 3">
             <a:extLst>
               <a:ext uri="{FF2B5EF4-FFF2-40B4-BE49-F238E27FC236}">
-                <a16:creationId xmlns:a16="http://schemas.microsoft.com/office/drawing/2014/main" id="{D0F20AD4-B698-C4AB-6085-497999ACDD60}"/>
+                <a16:creationId xmlns:a16="http://schemas.microsoft.com/office/drawing/2014/main" id="{13130A3A-E67F-D945-62E4-57114B02900D}"/>
               </a:ext>
             </a:extLst>
           </p:cNvPr>
@@ -1659,7 +1659,7 @@
           <p:cNvPr id="5" name="文本占位符 4">
             <a:extLst>
               <a:ext uri="{FF2B5EF4-FFF2-40B4-BE49-F238E27FC236}">
-                <a16:creationId xmlns:a16="http://schemas.microsoft.com/office/drawing/2014/main" id="{5728E2BB-8FDF-E11C-D040-26C9451A371F}"/>
+                <a16:creationId xmlns:a16="http://schemas.microsoft.com/office/drawing/2014/main" id="{DFD12688-ABA1-129E-E122-3CEB2D00353D}"/>
               </a:ext>
             </a:extLst>
           </p:cNvPr>
@@ -1730,7 +1730,7 @@
           <p:cNvPr id="6" name="内容占位符 5">
             <a:extLst>
               <a:ext uri="{FF2B5EF4-FFF2-40B4-BE49-F238E27FC236}">
-                <a16:creationId xmlns:a16="http://schemas.microsoft.com/office/drawing/2014/main" id="{FB8E7146-55AF-5520-E385-A463DA5FC8E4}"/>
+                <a16:creationId xmlns:a16="http://schemas.microsoft.com/office/drawing/2014/main" id="{32BD28EA-BE74-A040-666F-B2E169953291}"/>
               </a:ext>
             </a:extLst>
           </p:cNvPr>
@@ -1792,7 +1792,7 @@
           <p:cNvPr id="7" name="日期占位符 6">
             <a:extLst>
               <a:ext uri="{FF2B5EF4-FFF2-40B4-BE49-F238E27FC236}">
-                <a16:creationId xmlns:a16="http://schemas.microsoft.com/office/drawing/2014/main" id="{52978D1D-2B75-2472-2935-C4B5F8CC1562}"/>
+                <a16:creationId xmlns:a16="http://schemas.microsoft.com/office/drawing/2014/main" id="{3946683F-F31A-3193-A1AC-4A0709018003}"/>
               </a:ext>
             </a:extLst>
           </p:cNvPr>
@@ -1808,7 +1808,7 @@
           <a:bodyPr/>
           <a:lstStyle/>
           <a:p>
-            <a:fld id="{C0ABD68F-CDC7-457B-97A8-D57A38EDA9F0}" type="datetimeFigureOut">
+            <a:fld id="{7AE530CB-1360-44B7-96E1-585357C945F2}" type="datetimeFigureOut">
               <a:rPr lang="zh-CN" altLang="en-US" smtClean="0"/>
               <a:t>2024/3/10</a:t>
             </a:fld>
@@ -1821,7 +1821,7 @@
           <p:cNvPr id="8" name="页脚占位符 7">
             <a:extLst>
               <a:ext uri="{FF2B5EF4-FFF2-40B4-BE49-F238E27FC236}">
-                <a16:creationId xmlns:a16="http://schemas.microsoft.com/office/drawing/2014/main" id="{668C1BE3-D1FC-B4FC-BF3B-317AC0E72C8E}"/>
+                <a16:creationId xmlns:a16="http://schemas.microsoft.com/office/drawing/2014/main" id="{92673383-E104-2953-EEAF-0C3387E7C2FF}"/>
               </a:ext>
             </a:extLst>
           </p:cNvPr>
@@ -1846,7 +1846,7 @@
           <p:cNvPr id="9" name="灯片编号占位符 8">
             <a:extLst>
               <a:ext uri="{FF2B5EF4-FFF2-40B4-BE49-F238E27FC236}">
-                <a16:creationId xmlns:a16="http://schemas.microsoft.com/office/drawing/2014/main" id="{3126B775-2B13-CE6A-DA95-A634C7F70ED3}"/>
+                <a16:creationId xmlns:a16="http://schemas.microsoft.com/office/drawing/2014/main" id="{60A5957F-9FAC-F6DB-753B-2AADB491CF53}"/>
               </a:ext>
             </a:extLst>
           </p:cNvPr>
@@ -1862,7 +1862,7 @@
           <a:bodyPr/>
           <a:lstStyle/>
           <a:p>
-            <a:fld id="{369E0DD2-9344-4840-90DE-BEE619104407}" type="slidenum">
+            <a:fld id="{6BA792E2-CF03-4D28-8E42-80011F83F46C}" type="slidenum">
               <a:rPr lang="zh-CN" altLang="en-US" smtClean="0"/>
               <a:t>‹#›</a:t>
             </a:fld>
@@ -1873,7 +1873,7 @@
     </p:spTree>
     <p:extLst>
       <p:ext uri="{BB962C8B-B14F-4D97-AF65-F5344CB8AC3E}">
-        <p14:creationId xmlns:p14="http://schemas.microsoft.com/office/powerpoint/2010/main" val="3340931910"/>
+        <p14:creationId xmlns:p14="http://schemas.microsoft.com/office/powerpoint/2010/main" val="3162965978"/>
       </p:ext>
     </p:extLst>
   </p:cSld>
@@ -1905,7 +1905,7 @@
           <p:cNvPr id="2" name="标题 1">
             <a:extLst>
               <a:ext uri="{FF2B5EF4-FFF2-40B4-BE49-F238E27FC236}">
-                <a16:creationId xmlns:a16="http://schemas.microsoft.com/office/drawing/2014/main" id="{EEDDA2BF-B626-217F-2716-29EBD0B036D9}"/>
+                <a16:creationId xmlns:a16="http://schemas.microsoft.com/office/drawing/2014/main" id="{DF883BC8-391F-9795-1D8A-1C020251CD22}"/>
               </a:ext>
             </a:extLst>
           </p:cNvPr>
@@ -1933,7 +1933,7 @@
           <p:cNvPr id="3" name="日期占位符 2">
             <a:extLst>
               <a:ext uri="{FF2B5EF4-FFF2-40B4-BE49-F238E27FC236}">
-                <a16:creationId xmlns:a16="http://schemas.microsoft.com/office/drawing/2014/main" id="{C11C965C-B303-865C-982D-AD3BC6EB2D70}"/>
+                <a16:creationId xmlns:a16="http://schemas.microsoft.com/office/drawing/2014/main" id="{296126C1-E4BE-E70F-06FF-E741481470C8}"/>
               </a:ext>
             </a:extLst>
           </p:cNvPr>
@@ -1949,7 +1949,7 @@
           <a:bodyPr/>
           <a:lstStyle/>
           <a:p>
-            <a:fld id="{C0ABD68F-CDC7-457B-97A8-D57A38EDA9F0}" type="datetimeFigureOut">
+            <a:fld id="{7AE530CB-1360-44B7-96E1-585357C945F2}" type="datetimeFigureOut">
               <a:rPr lang="zh-CN" altLang="en-US" smtClean="0"/>
               <a:t>2024/3/10</a:t>
             </a:fld>
@@ -1962,7 +1962,7 @@
           <p:cNvPr id="4" name="页脚占位符 3">
             <a:extLst>
               <a:ext uri="{FF2B5EF4-FFF2-40B4-BE49-F238E27FC236}">
-                <a16:creationId xmlns:a16="http://schemas.microsoft.com/office/drawing/2014/main" id="{A8B88BCA-B3CE-8A81-14E2-18FB6260B4FA}"/>
+                <a16:creationId xmlns:a16="http://schemas.microsoft.com/office/drawing/2014/main" id="{A789F55C-E18F-B36E-BA65-7E87C1FA7C0A}"/>
               </a:ext>
             </a:extLst>
           </p:cNvPr>
@@ -1987,7 +1987,7 @@
           <p:cNvPr id="5" name="灯片编号占位符 4">
             <a:extLst>
               <a:ext uri="{FF2B5EF4-FFF2-40B4-BE49-F238E27FC236}">
-                <a16:creationId xmlns:a16="http://schemas.microsoft.com/office/drawing/2014/main" id="{A5B6C869-0CAC-EE37-0508-4237E1653189}"/>
+                <a16:creationId xmlns:a16="http://schemas.microsoft.com/office/drawing/2014/main" id="{291D9F09-FFCE-EFD8-94DB-F28CA27716CC}"/>
               </a:ext>
             </a:extLst>
           </p:cNvPr>
@@ -2003,7 +2003,7 @@
           <a:bodyPr/>
           <a:lstStyle/>
           <a:p>
-            <a:fld id="{369E0DD2-9344-4840-90DE-BEE619104407}" type="slidenum">
+            <a:fld id="{6BA792E2-CF03-4D28-8E42-80011F83F46C}" type="slidenum">
               <a:rPr lang="zh-CN" altLang="en-US" smtClean="0"/>
               <a:t>‹#›</a:t>
             </a:fld>
@@ -2014,7 +2014,7 @@
     </p:spTree>
     <p:extLst>
       <p:ext uri="{BB962C8B-B14F-4D97-AF65-F5344CB8AC3E}">
-        <p14:creationId xmlns:p14="http://schemas.microsoft.com/office/powerpoint/2010/main" val="233061575"/>
+        <p14:creationId xmlns:p14="http://schemas.microsoft.com/office/powerpoint/2010/main" val="2171207011"/>
       </p:ext>
     </p:extLst>
   </p:cSld>
@@ -2046,7 +2046,7 @@
           <p:cNvPr id="2" name="日期占位符 1">
             <a:extLst>
               <a:ext uri="{FF2B5EF4-FFF2-40B4-BE49-F238E27FC236}">
-                <a16:creationId xmlns:a16="http://schemas.microsoft.com/office/drawing/2014/main" id="{B77972E2-CA6B-C2FE-17A0-7C9726493C81}"/>
+                <a16:creationId xmlns:a16="http://schemas.microsoft.com/office/drawing/2014/main" id="{89F3A4F0-AFBB-41E7-40E4-FEF2B9343D1B}"/>
               </a:ext>
             </a:extLst>
           </p:cNvPr>
@@ -2062,7 +2062,7 @@
           <a:bodyPr/>
           <a:lstStyle/>
           <a:p>
-            <a:fld id="{C0ABD68F-CDC7-457B-97A8-D57A38EDA9F0}" type="datetimeFigureOut">
+            <a:fld id="{7AE530CB-1360-44B7-96E1-585357C945F2}" type="datetimeFigureOut">
               <a:rPr lang="zh-CN" altLang="en-US" smtClean="0"/>
               <a:t>2024/3/10</a:t>
             </a:fld>
@@ -2075,7 +2075,7 @@
           <p:cNvPr id="3" name="页脚占位符 2">
             <a:extLst>
               <a:ext uri="{FF2B5EF4-FFF2-40B4-BE49-F238E27FC236}">
-                <a16:creationId xmlns:a16="http://schemas.microsoft.com/office/drawing/2014/main" id="{40A89252-2030-A3E8-6A81-D5852257F2A1}"/>
+                <a16:creationId xmlns:a16="http://schemas.microsoft.com/office/drawing/2014/main" id="{8B5EC1AE-8221-BC03-F239-92A3C6BF2274}"/>
               </a:ext>
             </a:extLst>
           </p:cNvPr>
@@ -2100,7 +2100,7 @@
           <p:cNvPr id="4" name="灯片编号占位符 3">
             <a:extLst>
               <a:ext uri="{FF2B5EF4-FFF2-40B4-BE49-F238E27FC236}">
-                <a16:creationId xmlns:a16="http://schemas.microsoft.com/office/drawing/2014/main" id="{BEB894CB-BAB6-0ECE-1F00-E26027CB52BC}"/>
+                <a16:creationId xmlns:a16="http://schemas.microsoft.com/office/drawing/2014/main" id="{743F97AE-7A9D-73DE-3882-CDC189F79821}"/>
               </a:ext>
             </a:extLst>
           </p:cNvPr>
@@ -2116,7 +2116,7 @@
           <a:bodyPr/>
           <a:lstStyle/>
           <a:p>
-            <a:fld id="{369E0DD2-9344-4840-90DE-BEE619104407}" type="slidenum">
+            <a:fld id="{6BA792E2-CF03-4D28-8E42-80011F83F46C}" type="slidenum">
               <a:rPr lang="zh-CN" altLang="en-US" smtClean="0"/>
               <a:t>‹#›</a:t>
             </a:fld>
@@ -2127,7 +2127,7 @@
     </p:spTree>
     <p:extLst>
       <p:ext uri="{BB962C8B-B14F-4D97-AF65-F5344CB8AC3E}">
-        <p14:creationId xmlns:p14="http://schemas.microsoft.com/office/powerpoint/2010/main" val="3945661326"/>
+        <p14:creationId xmlns:p14="http://schemas.microsoft.com/office/powerpoint/2010/main" val="1269234912"/>
       </p:ext>
     </p:extLst>
   </p:cSld>
@@ -2159,7 +2159,7 @@
           <p:cNvPr id="2" name="标题 1">
             <a:extLst>
               <a:ext uri="{FF2B5EF4-FFF2-40B4-BE49-F238E27FC236}">
-                <a16:creationId xmlns:a16="http://schemas.microsoft.com/office/drawing/2014/main" id="{F0683088-637C-7798-23D1-103154448C2B}"/>
+                <a16:creationId xmlns:a16="http://schemas.microsoft.com/office/drawing/2014/main" id="{70F5B430-F27B-CB16-FF2A-275DD074EED0}"/>
               </a:ext>
             </a:extLst>
           </p:cNvPr>
@@ -2196,7 +2196,7 @@
           <p:cNvPr id="3" name="内容占位符 2">
             <a:extLst>
               <a:ext uri="{FF2B5EF4-FFF2-40B4-BE49-F238E27FC236}">
-                <a16:creationId xmlns:a16="http://schemas.microsoft.com/office/drawing/2014/main" id="{F81A35BD-B990-85FC-EBA4-612B5D6AAFD6}"/>
+                <a16:creationId xmlns:a16="http://schemas.microsoft.com/office/drawing/2014/main" id="{02A65E06-CB52-778E-2A6D-B3355CE56B6A}"/>
               </a:ext>
             </a:extLst>
           </p:cNvPr>
@@ -2286,7 +2286,7 @@
           <p:cNvPr id="4" name="文本占位符 3">
             <a:extLst>
               <a:ext uri="{FF2B5EF4-FFF2-40B4-BE49-F238E27FC236}">
-                <a16:creationId xmlns:a16="http://schemas.microsoft.com/office/drawing/2014/main" id="{0EE84933-2E97-D536-A76D-C096ECA3549B}"/>
+                <a16:creationId xmlns:a16="http://schemas.microsoft.com/office/drawing/2014/main" id="{01B3CBEC-320C-B323-EAD1-885F3954CE5D}"/>
               </a:ext>
             </a:extLst>
           </p:cNvPr>
@@ -2357,7 +2357,7 @@
           <p:cNvPr id="5" name="日期占位符 4">
             <a:extLst>
               <a:ext uri="{FF2B5EF4-FFF2-40B4-BE49-F238E27FC236}">
-                <a16:creationId xmlns:a16="http://schemas.microsoft.com/office/drawing/2014/main" id="{1729DCE6-C7FA-6BE8-0D51-14A030AE9726}"/>
+                <a16:creationId xmlns:a16="http://schemas.microsoft.com/office/drawing/2014/main" id="{09BC3A96-BDF8-B28F-0DD0-0E23749DB7B1}"/>
               </a:ext>
             </a:extLst>
           </p:cNvPr>
@@ -2373,7 +2373,7 @@
           <a:bodyPr/>
           <a:lstStyle/>
           <a:p>
-            <a:fld id="{C0ABD68F-CDC7-457B-97A8-D57A38EDA9F0}" type="datetimeFigureOut">
+            <a:fld id="{7AE530CB-1360-44B7-96E1-585357C945F2}" type="datetimeFigureOut">
               <a:rPr lang="zh-CN" altLang="en-US" smtClean="0"/>
               <a:t>2024/3/10</a:t>
             </a:fld>
@@ -2386,7 +2386,7 @@
           <p:cNvPr id="6" name="页脚占位符 5">
             <a:extLst>
               <a:ext uri="{FF2B5EF4-FFF2-40B4-BE49-F238E27FC236}">
-                <a16:creationId xmlns:a16="http://schemas.microsoft.com/office/drawing/2014/main" id="{CE0BB459-7383-A722-32CE-B6C7AD5F14E4}"/>
+                <a16:creationId xmlns:a16="http://schemas.microsoft.com/office/drawing/2014/main" id="{98FAEA20-70BB-0217-1DC7-B25D2B920095}"/>
               </a:ext>
             </a:extLst>
           </p:cNvPr>
@@ -2411,7 +2411,7 @@
           <p:cNvPr id="7" name="灯片编号占位符 6">
             <a:extLst>
               <a:ext uri="{FF2B5EF4-FFF2-40B4-BE49-F238E27FC236}">
-                <a16:creationId xmlns:a16="http://schemas.microsoft.com/office/drawing/2014/main" id="{E0E73779-7756-A1E5-709E-9002E3CEA349}"/>
+                <a16:creationId xmlns:a16="http://schemas.microsoft.com/office/drawing/2014/main" id="{A12ED734-B5EC-14F9-D30C-EA32D1DB213B}"/>
               </a:ext>
             </a:extLst>
           </p:cNvPr>
@@ -2427,7 +2427,7 @@
           <a:bodyPr/>
           <a:lstStyle/>
           <a:p>
-            <a:fld id="{369E0DD2-9344-4840-90DE-BEE619104407}" type="slidenum">
+            <a:fld id="{6BA792E2-CF03-4D28-8E42-80011F83F46C}" type="slidenum">
               <a:rPr lang="zh-CN" altLang="en-US" smtClean="0"/>
               <a:t>‹#›</a:t>
             </a:fld>
@@ -2438,7 +2438,7 @@
     </p:spTree>
     <p:extLst>
       <p:ext uri="{BB962C8B-B14F-4D97-AF65-F5344CB8AC3E}">
-        <p14:creationId xmlns:p14="http://schemas.microsoft.com/office/powerpoint/2010/main" val="2035372616"/>
+        <p14:creationId xmlns:p14="http://schemas.microsoft.com/office/powerpoint/2010/main" val="2252746059"/>
       </p:ext>
     </p:extLst>
   </p:cSld>
@@ -2470,7 +2470,7 @@
           <p:cNvPr id="2" name="标题 1">
             <a:extLst>
               <a:ext uri="{FF2B5EF4-FFF2-40B4-BE49-F238E27FC236}">
-                <a16:creationId xmlns:a16="http://schemas.microsoft.com/office/drawing/2014/main" id="{F166B8C9-0B57-0AA6-3A2C-88E07C3D9277}"/>
+                <a16:creationId xmlns:a16="http://schemas.microsoft.com/office/drawing/2014/main" id="{924C507A-BD58-F210-B482-4677C2A708C2}"/>
               </a:ext>
             </a:extLst>
           </p:cNvPr>
@@ -2507,7 +2507,7 @@
           <p:cNvPr id="3" name="图片占位符 2">
             <a:extLst>
               <a:ext uri="{FF2B5EF4-FFF2-40B4-BE49-F238E27FC236}">
-                <a16:creationId xmlns:a16="http://schemas.microsoft.com/office/drawing/2014/main" id="{1F09DE73-BB13-5D85-A6CD-09E8CFCCDE2F}"/>
+                <a16:creationId xmlns:a16="http://schemas.microsoft.com/office/drawing/2014/main" id="{1EDAF7FD-A56E-FA42-6455-89339CB5A617}"/>
               </a:ext>
             </a:extLst>
           </p:cNvPr>
@@ -2574,7 +2574,7 @@
           <p:cNvPr id="4" name="文本占位符 3">
             <a:extLst>
               <a:ext uri="{FF2B5EF4-FFF2-40B4-BE49-F238E27FC236}">
-                <a16:creationId xmlns:a16="http://schemas.microsoft.com/office/drawing/2014/main" id="{CA3CE2C4-D3F4-ACB1-B998-FD543D83FEB3}"/>
+                <a16:creationId xmlns:a16="http://schemas.microsoft.com/office/drawing/2014/main" id="{4D8E36AA-0053-EE85-1AE4-1D8AAC79CEF5}"/>
               </a:ext>
             </a:extLst>
           </p:cNvPr>
@@ -2645,7 +2645,7 @@
           <p:cNvPr id="5" name="日期占位符 4">
             <a:extLst>
               <a:ext uri="{FF2B5EF4-FFF2-40B4-BE49-F238E27FC236}">
-                <a16:creationId xmlns:a16="http://schemas.microsoft.com/office/drawing/2014/main" id="{17EF1351-C133-C4D3-8EDB-A7802052EDC0}"/>
+                <a16:creationId xmlns:a16="http://schemas.microsoft.com/office/drawing/2014/main" id="{B5736E76-7164-0571-2B4F-5246F4938C28}"/>
               </a:ext>
             </a:extLst>
           </p:cNvPr>
@@ -2661,7 +2661,7 @@
           <a:bodyPr/>
           <a:lstStyle/>
           <a:p>
-            <a:fld id="{C0ABD68F-CDC7-457B-97A8-D57A38EDA9F0}" type="datetimeFigureOut">
+            <a:fld id="{7AE530CB-1360-44B7-96E1-585357C945F2}" type="datetimeFigureOut">
               <a:rPr lang="zh-CN" altLang="en-US" smtClean="0"/>
               <a:t>2024/3/10</a:t>
             </a:fld>
@@ -2674,7 +2674,7 @@
           <p:cNvPr id="6" name="页脚占位符 5">
             <a:extLst>
               <a:ext uri="{FF2B5EF4-FFF2-40B4-BE49-F238E27FC236}">
-                <a16:creationId xmlns:a16="http://schemas.microsoft.com/office/drawing/2014/main" id="{EFFCECA3-4A6C-5D41-A4F8-415D7CFCF3D7}"/>
+                <a16:creationId xmlns:a16="http://schemas.microsoft.com/office/drawing/2014/main" id="{E9D293A4-6A71-A1AF-7C6C-9835A7ECC833}"/>
               </a:ext>
             </a:extLst>
           </p:cNvPr>
@@ -2699,7 +2699,7 @@
           <p:cNvPr id="7" name="灯片编号占位符 6">
             <a:extLst>
               <a:ext uri="{FF2B5EF4-FFF2-40B4-BE49-F238E27FC236}">
-                <a16:creationId xmlns:a16="http://schemas.microsoft.com/office/drawing/2014/main" id="{3B410FDF-8D23-14D3-9A4A-74D21712BB98}"/>
+                <a16:creationId xmlns:a16="http://schemas.microsoft.com/office/drawing/2014/main" id="{892DBE94-63A2-CDAB-A3F0-A049A2D7B7AC}"/>
               </a:ext>
             </a:extLst>
           </p:cNvPr>
@@ -2715,7 +2715,7 @@
           <a:bodyPr/>
           <a:lstStyle/>
           <a:p>
-            <a:fld id="{369E0DD2-9344-4840-90DE-BEE619104407}" type="slidenum">
+            <a:fld id="{6BA792E2-CF03-4D28-8E42-80011F83F46C}" type="slidenum">
               <a:rPr lang="zh-CN" altLang="en-US" smtClean="0"/>
               <a:t>‹#›</a:t>
             </a:fld>
@@ -2726,7 +2726,7 @@
     </p:spTree>
     <p:extLst>
       <p:ext uri="{BB962C8B-B14F-4D97-AF65-F5344CB8AC3E}">
-        <p14:creationId xmlns:p14="http://schemas.microsoft.com/office/powerpoint/2010/main" val="2850379186"/>
+        <p14:creationId xmlns:p14="http://schemas.microsoft.com/office/powerpoint/2010/main" val="935324305"/>
       </p:ext>
     </p:extLst>
   </p:cSld>
@@ -2763,7 +2763,7 @@
           <p:cNvPr id="2" name="标题占位符 1">
             <a:extLst>
               <a:ext uri="{FF2B5EF4-FFF2-40B4-BE49-F238E27FC236}">
-                <a16:creationId xmlns:a16="http://schemas.microsoft.com/office/drawing/2014/main" id="{D318C55D-276F-E8D3-1406-3A94359D1085}"/>
+                <a16:creationId xmlns:a16="http://schemas.microsoft.com/office/drawing/2014/main" id="{CDD3D1C0-DCDB-F141-1A20-3270A2DB20E1}"/>
               </a:ext>
             </a:extLst>
           </p:cNvPr>
@@ -2801,7 +2801,7 @@
           <p:cNvPr id="3" name="文本占位符 2">
             <a:extLst>
               <a:ext uri="{FF2B5EF4-FFF2-40B4-BE49-F238E27FC236}">
-                <a16:creationId xmlns:a16="http://schemas.microsoft.com/office/drawing/2014/main" id="{2D145B8F-EC91-586B-66F1-4119E54373AD}"/>
+                <a16:creationId xmlns:a16="http://schemas.microsoft.com/office/drawing/2014/main" id="{27FB65AE-541D-715B-5B88-1FE5AA8BCD24}"/>
               </a:ext>
             </a:extLst>
           </p:cNvPr>
@@ -2868,7 +2868,7 @@
           <p:cNvPr id="4" name="日期占位符 3">
             <a:extLst>
               <a:ext uri="{FF2B5EF4-FFF2-40B4-BE49-F238E27FC236}">
-                <a16:creationId xmlns:a16="http://schemas.microsoft.com/office/drawing/2014/main" id="{F81B27B1-2091-8EAA-8E52-AEF0D96598B0}"/>
+                <a16:creationId xmlns:a16="http://schemas.microsoft.com/office/drawing/2014/main" id="{F243821D-8C73-5C22-BB8F-82199E5D6BAD}"/>
               </a:ext>
             </a:extLst>
           </p:cNvPr>
@@ -2902,7 +2902,7 @@
             </a:lvl1pPr>
           </a:lstStyle>
           <a:p>
-            <a:fld id="{C0ABD68F-CDC7-457B-97A8-D57A38EDA9F0}" type="datetimeFigureOut">
+            <a:fld id="{7AE530CB-1360-44B7-96E1-585357C945F2}" type="datetimeFigureOut">
               <a:rPr lang="zh-CN" altLang="en-US" smtClean="0"/>
               <a:t>2024/3/10</a:t>
             </a:fld>
@@ -2915,7 +2915,7 @@
           <p:cNvPr id="5" name="页脚占位符 4">
             <a:extLst>
               <a:ext uri="{FF2B5EF4-FFF2-40B4-BE49-F238E27FC236}">
-                <a16:creationId xmlns:a16="http://schemas.microsoft.com/office/drawing/2014/main" id="{5D8A8F70-A680-EAB1-F527-EA8F1EE8F76F}"/>
+                <a16:creationId xmlns:a16="http://schemas.microsoft.com/office/drawing/2014/main" id="{60E4533B-AD8F-93A8-80B6-3371EED51C5A}"/>
               </a:ext>
             </a:extLst>
           </p:cNvPr>
@@ -2958,7 +2958,7 @@
           <p:cNvPr id="6" name="灯片编号占位符 5">
             <a:extLst>
               <a:ext uri="{FF2B5EF4-FFF2-40B4-BE49-F238E27FC236}">
-                <a16:creationId xmlns:a16="http://schemas.microsoft.com/office/drawing/2014/main" id="{16544F93-58CC-B0CE-1911-8DF7E973D330}"/>
+                <a16:creationId xmlns:a16="http://schemas.microsoft.com/office/drawing/2014/main" id="{FDAE8577-4107-65B5-91BE-1A975F4D94A1}"/>
               </a:ext>
             </a:extLst>
           </p:cNvPr>
@@ -2992,7 +2992,7 @@
             </a:lvl1pPr>
           </a:lstStyle>
           <a:p>
-            <a:fld id="{369E0DD2-9344-4840-90DE-BEE619104407}" type="slidenum">
+            <a:fld id="{6BA792E2-CF03-4D28-8E42-80011F83F46C}" type="slidenum">
               <a:rPr lang="zh-CN" altLang="en-US" smtClean="0"/>
               <a:t>‹#›</a:t>
             </a:fld>
@@ -3003,7 +3003,7 @@
     </p:spTree>
     <p:extLst>
       <p:ext uri="{BB962C8B-B14F-4D97-AF65-F5344CB8AC3E}">
-        <p14:creationId xmlns:p14="http://schemas.microsoft.com/office/powerpoint/2010/main" val="2188610702"/>
+        <p14:creationId xmlns:p14="http://schemas.microsoft.com/office/powerpoint/2010/main" val="223727624"/>
       </p:ext>
     </p:extLst>
   </p:cSld>
@@ -3323,7 +3323,7 @@
       </p:grpSpPr>
       <p:pic>
         <p:nvPicPr>
-          <p:cNvPr id="368642" name="Picture 2" descr="359"/>
+          <p:cNvPr id="369666" name="Picture 2" descr="360"/>
           <p:cNvPicPr>
             <a:picLocks noChangeAspect="1" noChangeArrowheads="1"/>
           </p:cNvPicPr>
@@ -3345,7 +3345,7 @@
         <p:spPr bwMode="auto">
           <a:xfrm>
             <a:off x="1524000" y="0"/>
-            <a:ext cx="9144000" cy="6859588"/>
+            <a:ext cx="9144000" cy="6858000"/>
           </a:xfrm>
           <a:prstGeom prst="rect">
             <a:avLst/>
@@ -3375,11 +3375,158 @@
           </a:extLst>
         </p:spPr>
       </p:pic>
+      <p:pic>
+        <p:nvPicPr>
+          <p:cNvPr id="370691" name="Picture 3" descr="360-2"/>
+          <p:cNvPicPr>
+            <a:picLocks noChangeAspect="1" noChangeArrowheads="1"/>
+          </p:cNvPicPr>
+          <p:nvPr/>
+        </p:nvPicPr>
+        <p:blipFill>
+          <a:blip r:embed="rId3">
+            <a:extLst>
+              <a:ext uri="{28A0092B-C50C-407E-A947-70E740481C1C}">
+                <a14:useLocalDpi xmlns:a14="http://schemas.microsoft.com/office/drawing/2010/main" val="0"/>
+              </a:ext>
+            </a:extLst>
+          </a:blip>
+          <a:srcRect/>
+          <a:stretch>
+            <a:fillRect/>
+          </a:stretch>
+        </p:blipFill>
+        <p:spPr bwMode="auto">
+          <a:xfrm>
+            <a:off x="1524000" y="0"/>
+            <a:ext cx="9144000" cy="6858000"/>
+          </a:xfrm>
+          <a:prstGeom prst="rect">
+            <a:avLst/>
+          </a:prstGeom>
+          <a:noFill/>
+          <a:ln>
+            <a:noFill/>
+          </a:ln>
+          <a:effectLst/>
+          <a:extLst>
+            <a:ext uri="{909E8E84-426E-40DD-AFC4-6F175D3DCCD1}">
+              <a14:hiddenFill xmlns:a14="http://schemas.microsoft.com/office/drawing/2010/main">
+                <a:solidFill>
+                  <a:srgbClr val="FFFFFF"/>
+                </a:solidFill>
+              </a14:hiddenFill>
+            </a:ext>
+            <a:ext uri="{91240B29-F687-4F45-9708-019B960494DF}">
+              <a14:hiddenLine xmlns:a14="http://schemas.microsoft.com/office/drawing/2010/main" w="9525">
+                <a:solidFill>
+                  <a:srgbClr val="000000"/>
+                </a:solidFill>
+                <a:miter lim="800000"/>
+                <a:headEnd/>
+                <a:tailEnd/>
+              </a14:hiddenLine>
+            </a:ext>
+            <a:ext uri="{AF507438-7753-43E0-B8FC-AC1667EBCBE1}">
+              <a14:hiddenEffects xmlns:a14="http://schemas.microsoft.com/office/drawing/2010/main">
+                <a:effectLst>
+                  <a:outerShdw dist="35921" dir="2700000" algn="ctr" rotWithShape="0">
+                    <a:srgbClr val="808080"/>
+                  </a:outerShdw>
+                </a:effectLst>
+              </a14:hiddenEffects>
+            </a:ext>
+          </a:extLst>
+        </p:spPr>
+      </p:pic>
     </p:spTree>
   </p:cSld>
   <p:clrMapOvr>
     <a:masterClrMapping/>
   </p:clrMapOvr>
+  <p:timing>
+    <p:tnLst>
+      <p:par>
+        <p:cTn id="1" dur="indefinite" restart="never" nodeType="tmRoot">
+          <p:childTnLst>
+            <p:seq concurrent="1" nextAc="seek">
+              <p:cTn id="2" dur="indefinite" nodeType="mainSeq">
+                <p:childTnLst>
+                  <p:par>
+                    <p:cTn id="3" fill="hold" nodeType="clickPar">
+                      <p:stCondLst>
+                        <p:cond delay="indefinite"/>
+                      </p:stCondLst>
+                      <p:childTnLst>
+                        <p:par>
+                          <p:cTn id="4" fill="hold" nodeType="withGroup">
+                            <p:stCondLst>
+                              <p:cond delay="0"/>
+                            </p:stCondLst>
+                            <p:childTnLst>
+                              <p:par>
+                                <p:cTn id="5" presetID="10" presetClass="entr" presetSubtype="0" fill="hold" nodeType="clickEffect">
+                                  <p:stCondLst>
+                                    <p:cond delay="0"/>
+                                  </p:stCondLst>
+                                  <p:childTnLst>
+                                    <p:set>
+                                      <p:cBhvr>
+                                        <p:cTn id="6" dur="1" fill="hold">
+                                          <p:stCondLst>
+                                            <p:cond delay="0"/>
+                                          </p:stCondLst>
+                                        </p:cTn>
+                                        <p:tgtEl>
+                                          <p:spTgt spid="370691"/>
+                                        </p:tgtEl>
+                                        <p:attrNameLst>
+                                          <p:attrName>style.visibility</p:attrName>
+                                        </p:attrNameLst>
+                                      </p:cBhvr>
+                                      <p:to>
+                                        <p:strVal val="visible"/>
+                                      </p:to>
+                                    </p:set>
+                                    <p:animEffect transition="in" filter="fade">
+                                      <p:cBhvr>
+                                        <p:cTn id="7" dur="500"/>
+                                        <p:tgtEl>
+                                          <p:spTgt spid="370691"/>
+                                        </p:tgtEl>
+                                      </p:cBhvr>
+                                    </p:animEffect>
+                                  </p:childTnLst>
+                                </p:cTn>
+                              </p:par>
+                            </p:childTnLst>
+                          </p:cTn>
+                        </p:par>
+                      </p:childTnLst>
+                    </p:cTn>
+                  </p:par>
+                </p:childTnLst>
+              </p:cTn>
+              <p:prevCondLst>
+                <p:cond evt="onPrev" delay="0">
+                  <p:tgtEl>
+                    <p:sldTgt/>
+                  </p:tgtEl>
+                </p:cond>
+              </p:prevCondLst>
+              <p:nextCondLst>
+                <p:cond evt="onNext" delay="0">
+                  <p:tgtEl>
+                    <p:sldTgt/>
+                  </p:tgtEl>
+                </p:cond>
+              </p:nextCondLst>
+            </p:seq>
+          </p:childTnLst>
+        </p:cTn>
+      </p:par>
+    </p:tnLst>
+  </p:timing>
 </p:sld>
 </file>
 
